--- a/배열.pptx
+++ b/배열.pptx
@@ -13,8 +13,7 @@
     <p:sldId id="275" r:id="rId7"/>
     <p:sldId id="276" r:id="rId8"/>
     <p:sldId id="277" r:id="rId9"/>
-    <p:sldId id="266" r:id="rId10"/>
-    <p:sldId id="261" r:id="rId11"/>
+    <p:sldId id="261" r:id="rId10"/>
   </p:sldIdLst>
   <p:sldSz cx="9144000" cy="6858000" type="screen4x3"/>
   <p:notesSz cx="6858000" cy="9144000"/>
@@ -5418,365 +5417,6 @@
 </p:sld>
 </file>
 
-<file path=ppt/slides/slide10.xml><?xml version="1.0" encoding="utf-8"?>
-<p:sld xmlns:a="http://schemas.openxmlformats.org/drawingml/2006/main" xmlns:r="http://schemas.openxmlformats.org/officeDocument/2006/relationships" xmlns:p="http://schemas.openxmlformats.org/presentationml/2006/main">
-  <p:cSld>
-    <p:spTree>
-      <p:nvGrpSpPr>
-        <p:cNvPr id="1" name=""/>
-        <p:cNvGrpSpPr/>
-        <p:nvPr/>
-      </p:nvGrpSpPr>
-      <p:grpSpPr>
-        <a:xfrm>
-          <a:off x="0" y="0"/>
-          <a:ext cx="0" cy="0"/>
-          <a:chOff x="0" y="0"/>
-          <a:chExt cx="0" cy="0"/>
-        </a:xfrm>
-      </p:grpSpPr>
-      <p:sp>
-        <p:nvSpPr>
-          <p:cNvPr id="53" name="직사각형 52"/>
-          <p:cNvSpPr/>
-          <p:nvPr/>
-        </p:nvSpPr>
-        <p:spPr>
-          <a:xfrm>
-            <a:off x="0" y="6419850"/>
-            <a:ext cx="9144000" cy="438150"/>
-          </a:xfrm>
-          <a:prstGeom prst="rect">
-            <a:avLst/>
-          </a:prstGeom>
-          <a:solidFill>
-            <a:srgbClr val="AA0638"/>
-          </a:solidFill>
-          <a:ln>
-            <a:noFill/>
-          </a:ln>
-          <a:effectLst>
-            <a:outerShdw blurRad="50800" dist="38100" dir="16200000" rotWithShape="0">
-              <a:prstClr val="black">
-                <a:alpha val="40000"/>
-              </a:prstClr>
-            </a:outerShdw>
-          </a:effectLst>
-        </p:spPr>
-        <p:style>
-          <a:lnRef idx="2">
-            <a:schemeClr val="accent1">
-              <a:shade val="50000"/>
-            </a:schemeClr>
-          </a:lnRef>
-          <a:fillRef idx="1">
-            <a:schemeClr val="accent1"/>
-          </a:fillRef>
-          <a:effectRef idx="0">
-            <a:schemeClr val="accent1"/>
-          </a:effectRef>
-          <a:fontRef idx="minor">
-            <a:schemeClr val="lt1"/>
-          </a:fontRef>
-        </p:style>
-        <p:txBody>
-          <a:bodyPr rtlCol="0" anchor="ctr"/>
-          <a:lstStyle/>
-          <a:p>
-            <a:pPr algn="ctr"/>
-            <a:endParaRPr lang="ko-KR" altLang="en-US"/>
-          </a:p>
-        </p:txBody>
-      </p:sp>
-      <p:sp>
-        <p:nvSpPr>
-          <p:cNvPr id="10" name="직사각형 9"/>
-          <p:cNvSpPr/>
-          <p:nvPr/>
-        </p:nvSpPr>
-        <p:spPr>
-          <a:xfrm>
-            <a:off x="0" y="0"/>
-            <a:ext cx="9144000" cy="571480"/>
-          </a:xfrm>
-          <a:prstGeom prst="rect">
-            <a:avLst/>
-          </a:prstGeom>
-          <a:solidFill>
-            <a:schemeClr val="tx1"/>
-          </a:solidFill>
-          <a:ln>
-            <a:noFill/>
-          </a:ln>
-        </p:spPr>
-        <p:style>
-          <a:lnRef idx="2">
-            <a:schemeClr val="accent1">
-              <a:shade val="50000"/>
-            </a:schemeClr>
-          </a:lnRef>
-          <a:fillRef idx="1">
-            <a:schemeClr val="accent1"/>
-          </a:fillRef>
-          <a:effectRef idx="0">
-            <a:schemeClr val="accent1"/>
-          </a:effectRef>
-          <a:fontRef idx="minor">
-            <a:schemeClr val="lt1"/>
-          </a:fontRef>
-        </p:style>
-        <p:txBody>
-          <a:bodyPr rtlCol="0" anchor="ctr"/>
-          <a:lstStyle/>
-          <a:p>
-            <a:pPr algn="ctr"/>
-            <a:endParaRPr lang="ko-KR" altLang="en-US"/>
-          </a:p>
-        </p:txBody>
-      </p:sp>
-      <p:sp>
-        <p:nvSpPr>
-          <p:cNvPr id="23" name="직사각형 22"/>
-          <p:cNvSpPr/>
-          <p:nvPr/>
-        </p:nvSpPr>
-        <p:spPr>
-          <a:xfrm>
-            <a:off x="0" y="525760"/>
-            <a:ext cx="9144000" cy="45720"/>
-          </a:xfrm>
-          <a:prstGeom prst="rect">
-            <a:avLst/>
-          </a:prstGeom>
-          <a:solidFill>
-            <a:srgbClr val="AA0638"/>
-          </a:solidFill>
-          <a:ln>
-            <a:noFill/>
-          </a:ln>
-        </p:spPr>
-        <p:style>
-          <a:lnRef idx="2">
-            <a:schemeClr val="accent1">
-              <a:shade val="50000"/>
-            </a:schemeClr>
-          </a:lnRef>
-          <a:fillRef idx="1">
-            <a:schemeClr val="accent1"/>
-          </a:fillRef>
-          <a:effectRef idx="0">
-            <a:schemeClr val="accent1"/>
-          </a:effectRef>
-          <a:fontRef idx="minor">
-            <a:schemeClr val="lt1"/>
-          </a:fontRef>
-        </p:style>
-        <p:txBody>
-          <a:bodyPr rtlCol="0" anchor="ctr"/>
-          <a:lstStyle/>
-          <a:p>
-            <a:pPr algn="ctr"/>
-            <a:endParaRPr lang="ko-KR" altLang="en-US"/>
-          </a:p>
-        </p:txBody>
-      </p:sp>
-      <p:sp>
-        <p:nvSpPr>
-          <p:cNvPr id="13" name="TextBox 12"/>
-          <p:cNvSpPr txBox="1"/>
-          <p:nvPr/>
-        </p:nvSpPr>
-        <p:spPr>
-          <a:xfrm>
-            <a:off x="2714612" y="3071810"/>
-            <a:ext cx="3714776" cy="646331"/>
-          </a:xfrm>
-          <a:prstGeom prst="rect">
-            <a:avLst/>
-          </a:prstGeom>
-          <a:noFill/>
-        </p:spPr>
-        <p:txBody>
-          <a:bodyPr wrap="square" rtlCol="0">
-            <a:spAutoFit/>
-          </a:bodyPr>
-          <a:lstStyle/>
-          <a:p>
-            <a:pPr algn="ctr"/>
-            <a:r>
-              <a:rPr lang="en-US" altLang="ko-KR" sz="3600" smtClean="0">
-                <a:ln>
-                  <a:solidFill>
-                    <a:schemeClr val="bg1">
-                      <a:alpha val="55000"/>
-                    </a:schemeClr>
-                  </a:solidFill>
-                </a:ln>
-                <a:gradFill>
-                  <a:gsLst>
-                    <a:gs pos="0">
-                      <a:schemeClr val="tx1"/>
-                    </a:gs>
-                    <a:gs pos="100000">
-                      <a:srgbClr val="C00000"/>
-                    </a:gs>
-                  </a:gsLst>
-                  <a:lin ang="5400000" scaled="0"/>
-                </a:gradFill>
-                <a:latin typeface="HY견고딕" pitchFamily="18" charset="-127"/>
-                <a:ea typeface="HY견고딕" pitchFamily="18" charset="-127"/>
-              </a:rPr>
-              <a:t>THANK YOU</a:t>
-            </a:r>
-            <a:endParaRPr lang="en-US" altLang="ko-KR" sz="3600" dirty="0" smtClean="0">
-              <a:ln>
-                <a:solidFill>
-                  <a:schemeClr val="bg1">
-                    <a:alpha val="55000"/>
-                  </a:schemeClr>
-                </a:solidFill>
-              </a:ln>
-              <a:gradFill>
-                <a:gsLst>
-                  <a:gs pos="0">
-                    <a:schemeClr val="tx1"/>
-                  </a:gs>
-                  <a:gs pos="100000">
-                    <a:srgbClr val="C00000"/>
-                  </a:gs>
-                </a:gsLst>
-                <a:lin ang="5400000" scaled="0"/>
-              </a:gradFill>
-              <a:latin typeface="HY견고딕" pitchFamily="18" charset="-127"/>
-              <a:ea typeface="HY견고딕" pitchFamily="18" charset="-127"/>
-            </a:endParaRPr>
-          </a:p>
-        </p:txBody>
-      </p:sp>
-      <p:sp>
-        <p:nvSpPr>
-          <p:cNvPr id="11" name="타원 10"/>
-          <p:cNvSpPr/>
-          <p:nvPr/>
-        </p:nvSpPr>
-        <p:spPr>
-          <a:xfrm>
-            <a:off x="2714612" y="3214686"/>
-            <a:ext cx="144000" cy="142876"/>
-          </a:xfrm>
-          <a:prstGeom prst="ellipse">
-            <a:avLst/>
-          </a:prstGeom>
-          <a:solidFill>
-            <a:srgbClr val="AA0638"/>
-          </a:solidFill>
-          <a:ln>
-            <a:noFill/>
-          </a:ln>
-          <a:effectLst>
-            <a:outerShdw blurRad="63500" sx="102000" sy="102000" algn="ctr" rotWithShape="0">
-              <a:prstClr val="black">
-                <a:alpha val="40000"/>
-              </a:prstClr>
-            </a:outerShdw>
-          </a:effectLst>
-        </p:spPr>
-        <p:style>
-          <a:lnRef idx="2">
-            <a:schemeClr val="accent1">
-              <a:shade val="50000"/>
-            </a:schemeClr>
-          </a:lnRef>
-          <a:fillRef idx="1">
-            <a:schemeClr val="accent1"/>
-          </a:fillRef>
-          <a:effectRef idx="0">
-            <a:schemeClr val="accent1"/>
-          </a:effectRef>
-          <a:fontRef idx="minor">
-            <a:schemeClr val="lt1"/>
-          </a:fontRef>
-        </p:style>
-        <p:txBody>
-          <a:bodyPr rtlCol="0" anchor="ctr"/>
-          <a:lstStyle/>
-          <a:p>
-            <a:pPr algn="ctr"/>
-            <a:endParaRPr lang="ko-KR" altLang="en-US" sz="3200"/>
-          </a:p>
-        </p:txBody>
-      </p:sp>
-      <p:sp>
-        <p:nvSpPr>
-          <p:cNvPr id="14" name="타원 13"/>
-          <p:cNvSpPr/>
-          <p:nvPr/>
-        </p:nvSpPr>
-        <p:spPr>
-          <a:xfrm>
-            <a:off x="6215074" y="3214686"/>
-            <a:ext cx="144000" cy="142876"/>
-          </a:xfrm>
-          <a:prstGeom prst="ellipse">
-            <a:avLst/>
-          </a:prstGeom>
-          <a:solidFill>
-            <a:srgbClr val="AA0638"/>
-          </a:solidFill>
-          <a:ln>
-            <a:noFill/>
-          </a:ln>
-          <a:effectLst>
-            <a:outerShdw blurRad="63500" sx="102000" sy="102000" algn="ctr" rotWithShape="0">
-              <a:prstClr val="black">
-                <a:alpha val="40000"/>
-              </a:prstClr>
-            </a:outerShdw>
-          </a:effectLst>
-        </p:spPr>
-        <p:style>
-          <a:lnRef idx="2">
-            <a:schemeClr val="accent1">
-              <a:shade val="50000"/>
-            </a:schemeClr>
-          </a:lnRef>
-          <a:fillRef idx="1">
-            <a:schemeClr val="accent1"/>
-          </a:fillRef>
-          <a:effectRef idx="0">
-            <a:schemeClr val="accent1"/>
-          </a:effectRef>
-          <a:fontRef idx="minor">
-            <a:schemeClr val="lt1"/>
-          </a:fontRef>
-        </p:style>
-        <p:txBody>
-          <a:bodyPr rtlCol="0" anchor="ctr"/>
-          <a:lstStyle/>
-          <a:p>
-            <a:pPr algn="ctr"/>
-            <a:endParaRPr lang="ko-KR" altLang="en-US" sz="3200"/>
-          </a:p>
-        </p:txBody>
-      </p:sp>
-    </p:spTree>
-  </p:cSld>
-  <p:clrMapOvr>
-    <a:masterClrMapping/>
-  </p:clrMapOvr>
-  <p:transition>
-    <p:fade/>
-  </p:transition>
-  <p:timing>
-    <p:tnLst>
-      <p:par>
-        <p:cTn id="1" dur="indefinite" restart="never" nodeType="tmRoot"/>
-      </p:par>
-    </p:tnLst>
-  </p:timing>
-</p:sld>
-</file>
-
 <file path=ppt/slides/slide2.xml><?xml version="1.0" encoding="utf-8"?>
 <p:sld xmlns:r="http://schemas.openxmlformats.org/officeDocument/2006/relationships" xmlns:c="http://schemas.openxmlformats.org/drawingml/2006/chart" xmlns:a="http://schemas.openxmlformats.org/drawingml/2006/main" xmlns:dgm="http://schemas.openxmlformats.org/drawingml/2006/diagram" xmlns:dsp="http://schemas.microsoft.com/office/drawing/2008/diagram" xmlns:p="http://schemas.openxmlformats.org/presentationml/2006/main">
   <p:cSld>
@@ -7109,7 +6749,62 @@
               </a:rPr>
               <a:t>?</a:t>
             </a:r>
-            <a:endParaRPr lang="ko-KR" altLang="en-US" sz="3600">
+            <a:endParaRPr lang="en-US" altLang="ko-KR" sz="3000">
+              <a:ln w="9525">
+                <a:solidFill>
+                  <a:schemeClr val="bg1">
+                    <a:alpha val="55000"/>
+                  </a:schemeClr>
+                </a:solidFill>
+              </a:ln>
+              <a:solidFill>
+                <a:srgbClr val="ef0b6d"/>
+              </a:solidFill>
+              <a:latin typeface="HY견고딕"/>
+              <a:ea typeface="HY견고딕"/>
+            </a:endParaRPr>
+          </a:p>
+          <a:p>
+            <a:pPr>
+              <a:buFontTx/>
+              <a:buChar char="-"/>
+              <a:defRPr/>
+            </a:pPr>
+            <a:r>
+              <a:rPr lang="ko-KR" altLang="en-US" sz="2000">
+                <a:ln w="9525">
+                  <a:solidFill>
+                    <a:schemeClr val="bg1">
+                      <a:alpha val="55000"/>
+                    </a:schemeClr>
+                  </a:solidFill>
+                </a:ln>
+                <a:solidFill>
+                  <a:srgbClr val="10253f"/>
+                </a:solidFill>
+                <a:latin typeface="HY견고딕"/>
+                <a:ea typeface="HY견고딕"/>
+              </a:rPr>
+              <a:t> 같은 특성을 가진 변수들이 특정 규칙에 따라 연속된 공간에 나열된 자료구조</a:t>
+            </a:r>
+            <a:r>
+              <a:rPr lang="en-US" altLang="ko-KR" sz="2000">
+                <a:ln w="9525">
+                  <a:solidFill>
+                    <a:schemeClr val="bg1">
+                      <a:alpha val="55000"/>
+                    </a:schemeClr>
+                  </a:solidFill>
+                </a:ln>
+                <a:solidFill>
+                  <a:srgbClr val="10253f"/>
+                </a:solidFill>
+                <a:latin typeface="HY견고딕"/>
+                <a:ea typeface="HY견고딕"/>
+              </a:rPr>
+              <a:t>.</a:t>
+            </a:r>
+            <a:endParaRPr lang="en-US" altLang="ko-KR" sz="2000">
               <a:ln w="9525">
                 <a:solidFill>
                   <a:schemeClr val="bg1">
@@ -7145,7 +6840,7 @@
                 <a:latin typeface="HY견고딕"/>
                 <a:ea typeface="HY견고딕"/>
               </a:rPr>
-              <a:t> 같은 특성을 가진 변수들이 특정 규칙에 따라 연속된 공간에 나열된 자료구조</a:t>
+              <a:t> 같은 유형의 변수만 저장 가능</a:t>
             </a:r>
             <a:r>
               <a:rPr lang="en-US" altLang="ko-KR" sz="2000">
@@ -7200,7 +6895,41 @@
                 <a:latin typeface="HY견고딕"/>
                 <a:ea typeface="HY견고딕"/>
               </a:rPr>
-              <a:t> 같은 유형의 변수만 저장 가능</a:t>
+              <a:t> 인덱스는 </a:t>
+            </a:r>
+            <a:r>
+              <a:rPr lang="en-US" altLang="ko-KR" sz="2000">
+                <a:ln w="9525">
+                  <a:solidFill>
+                    <a:schemeClr val="bg1">
+                      <a:alpha val="55000"/>
+                    </a:schemeClr>
+                  </a:solidFill>
+                </a:ln>
+                <a:solidFill>
+                  <a:srgbClr val="10253f"/>
+                </a:solidFill>
+                <a:latin typeface="HY견고딕"/>
+                <a:ea typeface="HY견고딕"/>
+              </a:rPr>
+              <a:t>0</a:t>
+            </a:r>
+            <a:r>
+              <a:rPr lang="ko-KR" altLang="en-US" sz="2000">
+                <a:ln w="9525">
+                  <a:solidFill>
+                    <a:schemeClr val="bg1">
+                      <a:alpha val="55000"/>
+                    </a:schemeClr>
+                  </a:solidFill>
+                </a:ln>
+                <a:solidFill>
+                  <a:srgbClr val="10253f"/>
+                </a:solidFill>
+                <a:latin typeface="HY견고딕"/>
+                <a:ea typeface="HY견고딕"/>
+              </a:rPr>
+              <a:t>부터 시작</a:t>
             </a:r>
             <a:r>
               <a:rPr lang="en-US" altLang="ko-KR" sz="2000">
@@ -7255,7 +6984,7 @@
                 <a:latin typeface="HY견고딕"/>
                 <a:ea typeface="HY견고딕"/>
               </a:rPr>
-              <a:t> 인덱스는 </a:t>
+              <a:t> 배열이름 옆 </a:t>
             </a:r>
             <a:r>
               <a:rPr lang="en-US" altLang="ko-KR" sz="2000">
@@ -7272,7 +7001,7 @@
                 <a:latin typeface="HY견고딕"/>
                 <a:ea typeface="HY견고딕"/>
               </a:rPr>
-              <a:t>0</a:t>
+              <a:t>[]</a:t>
             </a:r>
             <a:r>
               <a:rPr lang="ko-KR" altLang="en-US" sz="2000">
@@ -7289,7 +7018,7 @@
                 <a:latin typeface="HY견고딕"/>
                 <a:ea typeface="HY견고딕"/>
               </a:rPr>
-              <a:t>부터 시작</a:t>
+              <a:t>에 길이를 기입</a:t>
             </a:r>
             <a:r>
               <a:rPr lang="en-US" altLang="ko-KR" sz="2000">
@@ -7344,96 +7073,7 @@
                 <a:latin typeface="HY견고딕"/>
                 <a:ea typeface="HY견고딕"/>
               </a:rPr>
-              <a:t> 배열이름 옆 </a:t>
-            </a:r>
-            <a:r>
-              <a:rPr lang="en-US" altLang="ko-KR" sz="2000">
-                <a:ln w="9525">
-                  <a:solidFill>
-                    <a:schemeClr val="bg1">
-                      <a:alpha val="55000"/>
-                    </a:schemeClr>
-                  </a:solidFill>
-                </a:ln>
-                <a:solidFill>
-                  <a:srgbClr val="10253f"/>
-                </a:solidFill>
-                <a:latin typeface="HY견고딕"/>
-                <a:ea typeface="HY견고딕"/>
-              </a:rPr>
-              <a:t>[]</a:t>
-            </a:r>
-            <a:r>
-              <a:rPr lang="ko-KR" altLang="en-US" sz="2000">
-                <a:ln w="9525">
-                  <a:solidFill>
-                    <a:schemeClr val="bg1">
-                      <a:alpha val="55000"/>
-                    </a:schemeClr>
-                  </a:solidFill>
-                </a:ln>
-                <a:solidFill>
-                  <a:srgbClr val="10253f"/>
-                </a:solidFill>
-                <a:latin typeface="HY견고딕"/>
-                <a:ea typeface="HY견고딕"/>
-              </a:rPr>
-              <a:t>에 크기를 기입</a:t>
-            </a:r>
-            <a:r>
-              <a:rPr lang="en-US" altLang="ko-KR" sz="2000">
-                <a:ln w="9525">
-                  <a:solidFill>
-                    <a:schemeClr val="bg1">
-                      <a:alpha val="55000"/>
-                    </a:schemeClr>
-                  </a:solidFill>
-                </a:ln>
-                <a:solidFill>
-                  <a:srgbClr val="10253f"/>
-                </a:solidFill>
-                <a:latin typeface="HY견고딕"/>
-                <a:ea typeface="HY견고딕"/>
-              </a:rPr>
-              <a:t>.</a:t>
-            </a:r>
-            <a:endParaRPr lang="en-US" altLang="ko-KR" sz="2000">
-              <a:ln w="9525">
-                <a:solidFill>
-                  <a:schemeClr val="bg1">
-                    <a:alpha val="55000"/>
-                  </a:schemeClr>
-                </a:solidFill>
-              </a:ln>
-              <a:solidFill>
-                <a:srgbClr val="10253f"/>
-              </a:solidFill>
-              <a:latin typeface="HY견고딕"/>
-              <a:ea typeface="HY견고딕"/>
-            </a:endParaRPr>
-          </a:p>
-          <a:p>
-            <a:pPr>
-              <a:buFontTx/>
-              <a:buChar char="-"/>
-              <a:defRPr/>
-            </a:pPr>
-            <a:r>
-              <a:rPr lang="ko-KR" altLang="en-US" sz="2000">
-                <a:ln w="9525">
-                  <a:solidFill>
-                    <a:schemeClr val="bg1">
-                      <a:alpha val="55000"/>
-                    </a:schemeClr>
-                  </a:solidFill>
-                </a:ln>
-                <a:solidFill>
-                  <a:srgbClr val="10253f"/>
-                </a:solidFill>
-                <a:latin typeface="HY견고딕"/>
-                <a:ea typeface="HY견고딕"/>
-              </a:rPr>
-              <a:t> 한번 선언된 배열은 크기를 늘리거나 줄일 수 없음</a:t>
+              <a:t> 한번 선언된 배열은 길이를 늘리거나 줄일 수 없음</a:t>
             </a:r>
             <a:r>
               <a:rPr lang="en-US" altLang="ko-KR" sz="2000">
@@ -8834,6 +8474,78 @@
               </a:rPr>
               <a:t>동적할당</a:t>
             </a:r>
+            <a:endParaRPr lang="ko-KR" altLang="en-US" sz="3000">
+              <a:ln w="9525">
+                <a:solidFill>
+                  <a:schemeClr val="bg1">
+                    <a:alpha val="55000"/>
+                  </a:schemeClr>
+                </a:solidFill>
+              </a:ln>
+              <a:solidFill>
+                <a:srgbClr val="ef0b6d"/>
+              </a:solidFill>
+              <a:latin typeface="HY견고딕"/>
+              <a:ea typeface="HY견고딕"/>
+            </a:endParaRPr>
+          </a:p>
+          <a:p>
+            <a:pPr marL="0" indent="0">
+              <a:buFontTx/>
+              <a:buNone/>
+              <a:defRPr/>
+            </a:pPr>
+            <a:r>
+              <a:rPr lang="en-US" altLang="ko-KR" sz="2000">
+                <a:ln w="9525">
+                  <a:solidFill>
+                    <a:schemeClr val="bg1">
+                      <a:alpha val="55000"/>
+                    </a:schemeClr>
+                  </a:solidFill>
+                </a:ln>
+                <a:solidFill>
+                  <a:srgbClr val="10253f"/>
+                </a:solidFill>
+                <a:latin typeface="HY견고딕"/>
+                <a:ea typeface="HY견고딕"/>
+              </a:rPr>
+              <a:t>-</a:t>
+            </a:r>
+            <a:r>
+              <a:rPr lang="ko-KR" altLang="en-US" sz="2000">
+                <a:ln w="9525">
+                  <a:solidFill>
+                    <a:schemeClr val="bg1">
+                      <a:alpha val="55000"/>
+                    </a:schemeClr>
+                  </a:solidFill>
+                </a:ln>
+                <a:solidFill>
+                  <a:srgbClr val="10253f"/>
+                </a:solidFill>
+                <a:latin typeface="HY견고딕"/>
+                <a:ea typeface="HY견고딕"/>
+              </a:rPr>
+              <a:t> 프로그램 실행 중 동적으로 메모리를 할당하는 것</a:t>
+            </a:r>
+            <a:r>
+              <a:rPr lang="en-US" altLang="ko-KR" sz="2000">
+                <a:ln w="9525">
+                  <a:solidFill>
+                    <a:schemeClr val="bg1">
+                      <a:alpha val="55000"/>
+                    </a:schemeClr>
+                  </a:solidFill>
+                </a:ln>
+                <a:solidFill>
+                  <a:srgbClr val="10253f"/>
+                </a:solidFill>
+                <a:latin typeface="HY견고딕"/>
+                <a:ea typeface="HY견고딕"/>
+              </a:rPr>
+              <a:t>.</a:t>
+            </a:r>
             <a:endParaRPr lang="en-US" altLang="ko-KR" sz="2000">
               <a:ln w="9525">
                 <a:solidFill>
@@ -8887,7 +8599,7 @@
                 <a:latin typeface="HY견고딕"/>
                 <a:ea typeface="HY견고딕"/>
               </a:rPr>
-              <a:t> 프로그램 실행 중 동적으로 메모리를 할당하는 것</a:t>
+              <a:t> 상황에 따라 원하는 크기만큼의 메모리가 할당되어 경제적이며</a:t>
             </a:r>
             <a:r>
               <a:rPr lang="en-US" altLang="ko-KR" sz="2000">
@@ -8904,45 +8616,7 @@
                 <a:latin typeface="HY견고딕"/>
                 <a:ea typeface="HY견고딕"/>
               </a:rPr>
-              <a:t>.</a:t>
-            </a:r>
-            <a:endParaRPr lang="en-US" altLang="ko-KR" sz="2000">
-              <a:ln w="9525">
-                <a:solidFill>
-                  <a:schemeClr val="bg1">
-                    <a:alpha val="55000"/>
-                  </a:schemeClr>
-                </a:solidFill>
-              </a:ln>
-              <a:solidFill>
-                <a:srgbClr val="10253f"/>
-              </a:solidFill>
-              <a:latin typeface="HY견고딕"/>
-              <a:ea typeface="HY견고딕"/>
-            </a:endParaRPr>
-          </a:p>
-          <a:p>
-            <a:pPr marL="0" indent="0">
-              <a:buFontTx/>
-              <a:buNone/>
-              <a:defRPr/>
-            </a:pPr>
-            <a:r>
-              <a:rPr lang="en-US" altLang="ko-KR" sz="2000">
-                <a:ln w="9525">
-                  <a:solidFill>
-                    <a:schemeClr val="bg1">
-                      <a:alpha val="55000"/>
-                    </a:schemeClr>
-                  </a:solidFill>
-                </a:ln>
-                <a:solidFill>
-                  <a:srgbClr val="10253f"/>
-                </a:solidFill>
-                <a:latin typeface="HY견고딕"/>
-                <a:ea typeface="HY견고딕"/>
-              </a:rPr>
-              <a:t>-</a:t>
+              <a:t>,</a:t>
             </a:r>
             <a:r>
               <a:rPr lang="ko-KR" altLang="en-US" sz="2000">
@@ -8959,41 +8633,7 @@
                 <a:latin typeface="HY견고딕"/>
                 <a:ea typeface="HY견고딕"/>
               </a:rPr>
-              <a:t> 상황에 따라 원하는 크기만큼의 메모리가 할당되어 경제적이며</a:t>
-            </a:r>
-            <a:r>
-              <a:rPr lang="en-US" altLang="ko-KR" sz="2000">
-                <a:ln w="9525">
-                  <a:solidFill>
-                    <a:schemeClr val="bg1">
-                      <a:alpha val="55000"/>
-                    </a:schemeClr>
-                  </a:solidFill>
-                </a:ln>
-                <a:solidFill>
-                  <a:srgbClr val="10253f"/>
-                </a:solidFill>
-                <a:latin typeface="HY견고딕"/>
-                <a:ea typeface="HY견고딕"/>
-              </a:rPr>
-              <a:t>,</a:t>
-            </a:r>
-            <a:r>
-              <a:rPr lang="ko-KR" altLang="en-US" sz="2000">
-                <a:ln w="9525">
-                  <a:solidFill>
-                    <a:schemeClr val="bg1">
-                      <a:alpha val="55000"/>
-                    </a:schemeClr>
-                  </a:solidFill>
-                </a:ln>
-                <a:solidFill>
-                  <a:srgbClr val="10253f"/>
-                </a:solidFill>
-                <a:latin typeface="HY견고딕"/>
-                <a:ea typeface="HY견고딕"/>
-              </a:rPr>
-              <a:t> 이미 할당된 메모리라도 언제든 크기를 조절할 수 있음</a:t>
+              <a:t> 이미 할당된 메모리라도 언제든 길이를 조절할 수 있음</a:t>
             </a:r>
             <a:r>
               <a:rPr lang="en-US" altLang="ko-KR" sz="2000">
@@ -11831,8 +11471,8 @@
         </p:nvSpPr>
         <p:spPr>
           <a:xfrm>
-            <a:off x="785786" y="1857364"/>
-            <a:ext cx="7602638" cy="2369831"/>
+            <a:off x="785786" y="1857363"/>
+            <a:ext cx="7602638" cy="3893831"/>
           </a:xfrm>
           <a:prstGeom prst="rect">
             <a:avLst/>
@@ -12062,7 +11702,185 @@
               </a:rPr>
               <a:t> 해제를 했어도 누수가 발생할 수 있다</a:t>
             </a:r>
+            <a:r>
+              <a:rPr lang="en-US" altLang="ko-KR" sz="2000">
+                <a:ln w="9525">
+                  <a:solidFill>
+                    <a:schemeClr val="bg1">
+                      <a:alpha val="55000"/>
+                    </a:schemeClr>
+                  </a:solidFill>
+                </a:ln>
+                <a:solidFill>
+                  <a:srgbClr val="10253f"/>
+                </a:solidFill>
+                <a:latin typeface="HY견고딕"/>
+                <a:ea typeface="HY견고딕"/>
+              </a:rPr>
+              <a:t>.</a:t>
+            </a:r>
+            <a:endParaRPr lang="en-US" altLang="ko-KR" sz="2000">
+              <a:ln w="9525">
+                <a:solidFill>
+                  <a:schemeClr val="bg1">
+                    <a:alpha val="55000"/>
+                  </a:schemeClr>
+                </a:solidFill>
+              </a:ln>
+              <a:solidFill>
+                <a:srgbClr val="10253f"/>
+              </a:solidFill>
+              <a:latin typeface="HY견고딕"/>
+              <a:ea typeface="HY견고딕"/>
+            </a:endParaRPr>
+          </a:p>
+          <a:p>
+            <a:pPr marL="0" indent="0">
+              <a:buFontTx/>
+              <a:buNone/>
+              <a:defRPr/>
+            </a:pPr>
             <a:endParaRPr lang="ko-KR" altLang="en-US" sz="2000">
+              <a:ln w="9525">
+                <a:solidFill>
+                  <a:schemeClr val="bg1">
+                    <a:alpha val="55000"/>
+                  </a:schemeClr>
+                </a:solidFill>
+              </a:ln>
+              <a:solidFill>
+                <a:srgbClr val="10253f"/>
+              </a:solidFill>
+              <a:latin typeface="HY견고딕"/>
+              <a:ea typeface="HY견고딕"/>
+            </a:endParaRPr>
+          </a:p>
+          <a:p>
+            <a:pPr marL="0" indent="0">
+              <a:buFontTx/>
+              <a:buNone/>
+              <a:defRPr/>
+            </a:pPr>
+            <a:r>
+              <a:rPr lang="en-US" altLang="ko-KR" sz="2000">
+                <a:ln w="9525">
+                  <a:solidFill>
+                    <a:schemeClr val="bg1">
+                      <a:alpha val="55000"/>
+                    </a:schemeClr>
+                  </a:solidFill>
+                </a:ln>
+                <a:solidFill>
+                  <a:srgbClr val="10253f"/>
+                </a:solidFill>
+                <a:latin typeface="HY견고딕"/>
+                <a:ea typeface="HY견고딕"/>
+              </a:rPr>
+              <a:t>-</a:t>
+            </a:r>
+            <a:r>
+              <a:rPr lang="ko-KR" altLang="en-US" sz="2000">
+                <a:ln w="9525">
+                  <a:solidFill>
+                    <a:schemeClr val="bg1">
+                      <a:alpha val="55000"/>
+                    </a:schemeClr>
+                  </a:solidFill>
+                </a:ln>
+                <a:solidFill>
+                  <a:srgbClr val="10253f"/>
+                </a:solidFill>
+                <a:latin typeface="HY견고딕"/>
+                <a:ea typeface="HY견고딕"/>
+              </a:rPr>
+              <a:t> 이를 보완하기 위한 스마트 포인터 라는게 있는데 포인터가 실제 메모리를 가리키도록 초기화한 후에</a:t>
+            </a:r>
+            <a:r>
+              <a:rPr lang="en-US" altLang="ko-KR" sz="2000">
+                <a:ln w="9525">
+                  <a:solidFill>
+                    <a:schemeClr val="bg1">
+                      <a:alpha val="55000"/>
+                    </a:schemeClr>
+                  </a:solidFill>
+                </a:ln>
+                <a:solidFill>
+                  <a:srgbClr val="10253f"/>
+                </a:solidFill>
+                <a:latin typeface="HY견고딕"/>
+                <a:ea typeface="HY견고딕"/>
+              </a:rPr>
+              <a:t>,</a:t>
+            </a:r>
+            <a:r>
+              <a:rPr lang="ko-KR" altLang="en-US" sz="2000">
+                <a:ln w="9525">
+                  <a:solidFill>
+                    <a:schemeClr val="bg1">
+                      <a:alpha val="55000"/>
+                    </a:schemeClr>
+                  </a:solidFill>
+                </a:ln>
+                <a:solidFill>
+                  <a:srgbClr val="10253f"/>
+                </a:solidFill>
+                <a:latin typeface="HY견고딕"/>
+                <a:ea typeface="HY견고딕"/>
+              </a:rPr>
+              <a:t> 기본 포인터를 스마트 포인터에 대입해서 사용하고 이 스마트 포인터의 수명이 다하면</a:t>
+            </a:r>
+            <a:r>
+              <a:rPr lang="en-US" altLang="ko-KR" sz="2000">
+                <a:ln w="9525">
+                  <a:solidFill>
+                    <a:schemeClr val="bg1">
+                      <a:alpha val="55000"/>
+                    </a:schemeClr>
+                  </a:solidFill>
+                </a:ln>
+                <a:solidFill>
+                  <a:srgbClr val="10253f"/>
+                </a:solidFill>
+                <a:latin typeface="HY견고딕"/>
+                <a:ea typeface="HY견고딕"/>
+              </a:rPr>
+              <a:t>,</a:t>
+            </a:r>
+            <a:r>
+              <a:rPr lang="ko-KR" altLang="en-US" sz="2000">
+                <a:ln w="9525">
+                  <a:solidFill>
+                    <a:schemeClr val="bg1">
+                      <a:alpha val="55000"/>
+                    </a:schemeClr>
+                  </a:solidFill>
+                </a:ln>
+                <a:solidFill>
+                  <a:srgbClr val="10253f"/>
+                </a:solidFill>
+                <a:latin typeface="HY견고딕"/>
+                <a:ea typeface="HY견고딕"/>
+              </a:rPr>
+              <a:t> 할당된 메모리를 자동으로 해제한다</a:t>
+            </a:r>
+            <a:r>
+              <a:rPr lang="en-US" altLang="ko-KR" sz="2000">
+                <a:ln w="9525">
+                  <a:solidFill>
+                    <a:schemeClr val="bg1">
+                      <a:alpha val="55000"/>
+                    </a:schemeClr>
+                  </a:solidFill>
+                </a:ln>
+                <a:solidFill>
+                  <a:srgbClr val="10253f"/>
+                </a:solidFill>
+                <a:latin typeface="HY견고딕"/>
+                <a:ea typeface="HY견고딕"/>
+              </a:rPr>
+              <a:t>.</a:t>
+            </a:r>
+            <a:endParaRPr lang="en-US" altLang="ko-KR" sz="2000">
               <a:ln w="9525">
                 <a:solidFill>
                   <a:schemeClr val="bg1">
@@ -12263,7 +12081,7 @@
 </file>
 
 <file path=ppt/slides/slide9.xml><?xml version="1.0" encoding="utf-8"?>
-<p:sld xmlns:r="http://schemas.openxmlformats.org/officeDocument/2006/relationships" xmlns:c="http://schemas.openxmlformats.org/drawingml/2006/chart" xmlns:a="http://schemas.openxmlformats.org/drawingml/2006/main" xmlns:dgm="http://schemas.openxmlformats.org/drawingml/2006/diagram" xmlns:dsp="http://schemas.microsoft.com/office/drawing/2008/diagram" xmlns:p="http://schemas.openxmlformats.org/presentationml/2006/main">
+<p:sld xmlns:a="http://schemas.openxmlformats.org/drawingml/2006/main" xmlns:r="http://schemas.openxmlformats.org/officeDocument/2006/relationships" xmlns:p="http://schemas.openxmlformats.org/presentationml/2006/main">
   <p:cSld>
     <p:spTree>
       <p:nvGrpSpPr>
@@ -12281,84 +12099,159 @@
       </p:grpSpPr>
       <p:sp>
         <p:nvSpPr>
-          <p:cNvPr id="5" name="직사각형 4"/>
+          <p:cNvPr id="53" name="직사각형 52"/>
           <p:cNvSpPr/>
           <p:nvPr/>
         </p:nvSpPr>
         <p:spPr>
           <a:xfrm>
-            <a:off x="428596" y="737216"/>
-            <a:ext cx="2754280" cy="646331"/>
+            <a:off x="0" y="6419850"/>
+            <a:ext cx="9144000" cy="438150"/>
           </a:xfrm>
           <a:prstGeom prst="rect">
             <a:avLst/>
           </a:prstGeom>
-          <a:effectLst/>
+          <a:solidFill>
+            <a:srgbClr val="AA0638"/>
+          </a:solidFill>
+          <a:ln>
+            <a:noFill/>
+          </a:ln>
+          <a:effectLst>
+            <a:outerShdw blurRad="50800" dist="38100" dir="16200000" rotWithShape="0">
+              <a:prstClr val="black">
+                <a:alpha val="40000"/>
+              </a:prstClr>
+            </a:outerShdw>
+          </a:effectLst>
         </p:spPr>
-        <p:txBody>
-          <a:bodyPr wrap="none">
-            <a:spAutoFit/>
-          </a:bodyPr>
+        <p:style>
+          <a:lnRef idx="2">
+            <a:schemeClr val="accent1">
+              <a:shade val="50000"/>
+            </a:schemeClr>
+          </a:lnRef>
+          <a:fillRef idx="1">
+            <a:schemeClr val="accent1"/>
+          </a:fillRef>
+          <a:effectRef idx="0">
+            <a:schemeClr val="accent1"/>
+          </a:effectRef>
+          <a:fontRef idx="minor">
+            <a:schemeClr val="lt1"/>
+          </a:fontRef>
+        </p:style>
+        <p:txBody>
+          <a:bodyPr rtlCol="0" anchor="ctr"/>
           <a:lstStyle/>
           <a:p>
-            <a:r>
-              <a:rPr lang="ko-KR" altLang="en-US" sz="3600" b="1" dirty="0" smtClean="0">
-                <a:ln>
-                  <a:solidFill>
-                    <a:schemeClr val="bg1">
-                      <a:alpha val="55000"/>
-                    </a:schemeClr>
-                  </a:solidFill>
-                </a:ln>
-                <a:solidFill>
-                  <a:srgbClr val="10253F"/>
-                </a:solidFill>
-                <a:effectLst>
-                  <a:outerShdw blurRad="38100" dist="38100" dir="2700000" algn="tl">
-                    <a:srgbClr val="000000">
-                      <a:alpha val="43137"/>
-                    </a:srgbClr>
-                  </a:outerShdw>
-                </a:effectLst>
-                <a:latin typeface="HY견고딕" pitchFamily="18" charset="-127"/>
-                <a:ea typeface="HY견고딕" pitchFamily="18" charset="-127"/>
-              </a:rPr>
-              <a:t>결론 및 의견</a:t>
-            </a:r>
-            <a:endParaRPr lang="ko-KR" altLang="en-US" sz="3600" b="1" dirty="0">
-              <a:ln>
-                <a:solidFill>
-                  <a:schemeClr val="bg1">
-                    <a:alpha val="55000"/>
-                  </a:schemeClr>
-                </a:solidFill>
-              </a:ln>
-              <a:solidFill>
-                <a:srgbClr val="10253F"/>
-              </a:solidFill>
-              <a:effectLst>
-                <a:outerShdw blurRad="38100" dist="38100" dir="2700000" algn="tl">
-                  <a:srgbClr val="000000">
-                    <a:alpha val="43137"/>
-                  </a:srgbClr>
-                </a:outerShdw>
-              </a:effectLst>
-              <a:latin typeface="HY견고딕" pitchFamily="18" charset="-127"/>
-              <a:ea typeface="HY견고딕" pitchFamily="18" charset="-127"/>
-            </a:endParaRPr>
-          </a:p>
-        </p:txBody>
-      </p:sp>
-      <p:sp>
-        <p:nvSpPr>
-          <p:cNvPr id="2" name="TextBox 1"/>
+            <a:pPr algn="ctr"/>
+            <a:endParaRPr lang="ko-KR" altLang="en-US"/>
+          </a:p>
+        </p:txBody>
+      </p:sp>
+      <p:sp>
+        <p:nvSpPr>
+          <p:cNvPr id="10" name="직사각형 9"/>
+          <p:cNvSpPr/>
+          <p:nvPr/>
+        </p:nvSpPr>
+        <p:spPr>
+          <a:xfrm>
+            <a:off x="0" y="0"/>
+            <a:ext cx="9144000" cy="571480"/>
+          </a:xfrm>
+          <a:prstGeom prst="rect">
+            <a:avLst/>
+          </a:prstGeom>
+          <a:solidFill>
+            <a:schemeClr val="tx1"/>
+          </a:solidFill>
+          <a:ln>
+            <a:noFill/>
+          </a:ln>
+        </p:spPr>
+        <p:style>
+          <a:lnRef idx="2">
+            <a:schemeClr val="accent1">
+              <a:shade val="50000"/>
+            </a:schemeClr>
+          </a:lnRef>
+          <a:fillRef idx="1">
+            <a:schemeClr val="accent1"/>
+          </a:fillRef>
+          <a:effectRef idx="0">
+            <a:schemeClr val="accent1"/>
+          </a:effectRef>
+          <a:fontRef idx="minor">
+            <a:schemeClr val="lt1"/>
+          </a:fontRef>
+        </p:style>
+        <p:txBody>
+          <a:bodyPr rtlCol="0" anchor="ctr"/>
+          <a:lstStyle/>
+          <a:p>
+            <a:pPr algn="ctr"/>
+            <a:endParaRPr lang="ko-KR" altLang="en-US"/>
+          </a:p>
+        </p:txBody>
+      </p:sp>
+      <p:sp>
+        <p:nvSpPr>
+          <p:cNvPr id="23" name="직사각형 22"/>
+          <p:cNvSpPr/>
+          <p:nvPr/>
+        </p:nvSpPr>
+        <p:spPr>
+          <a:xfrm>
+            <a:off x="0" y="525760"/>
+            <a:ext cx="9144000" cy="45720"/>
+          </a:xfrm>
+          <a:prstGeom prst="rect">
+            <a:avLst/>
+          </a:prstGeom>
+          <a:solidFill>
+            <a:srgbClr val="AA0638"/>
+          </a:solidFill>
+          <a:ln>
+            <a:noFill/>
+          </a:ln>
+        </p:spPr>
+        <p:style>
+          <a:lnRef idx="2">
+            <a:schemeClr val="accent1">
+              <a:shade val="50000"/>
+            </a:schemeClr>
+          </a:lnRef>
+          <a:fillRef idx="1">
+            <a:schemeClr val="accent1"/>
+          </a:fillRef>
+          <a:effectRef idx="0">
+            <a:schemeClr val="accent1"/>
+          </a:effectRef>
+          <a:fontRef idx="minor">
+            <a:schemeClr val="lt1"/>
+          </a:fontRef>
+        </p:style>
+        <p:txBody>
+          <a:bodyPr rtlCol="0" anchor="ctr"/>
+          <a:lstStyle/>
+          <a:p>
+            <a:pPr algn="ctr"/>
+            <a:endParaRPr lang="ko-KR" altLang="en-US"/>
+          </a:p>
+        </p:txBody>
+      </p:sp>
+      <p:sp>
+        <p:nvSpPr>
+          <p:cNvPr id="13" name="TextBox 12"/>
           <p:cNvSpPr txBox="1"/>
           <p:nvPr/>
         </p:nvSpPr>
         <p:spPr>
           <a:xfrm>
-            <a:off x="539552" y="1957363"/>
-            <a:ext cx="7848872" cy="3108543"/>
+            <a:off x="2714612" y="3071810"/>
+            <a:ext cx="3714776" cy="646331"/>
           </a:xfrm>
           <a:prstGeom prst="rect">
             <a:avLst/>
@@ -12371,8 +12264,9 @@
           </a:bodyPr>
           <a:lstStyle/>
           <a:p>
-            <a:r>
-              <a:rPr lang="ko-KR" altLang="en-US" sz="2800" dirty="0" smtClean="0">
+            <a:pPr algn="ctr"/>
+            <a:r>
+              <a:rPr lang="en-US" altLang="ko-KR" sz="3600" smtClean="0">
                 <a:ln>
                   <a:solidFill>
                     <a:schemeClr val="bg1">
@@ -12380,322 +12274,150 @@
                     </a:schemeClr>
                   </a:solidFill>
                 </a:ln>
-                <a:solidFill>
-                  <a:schemeClr val="tx1">
-                    <a:lumMod val="85000"/>
-                    <a:lumOff val="15000"/>
-                  </a:schemeClr>
-                </a:solidFill>
+                <a:gradFill>
+                  <a:gsLst>
+                    <a:gs pos="0">
+                      <a:schemeClr val="tx1"/>
+                    </a:gs>
+                    <a:gs pos="100000">
+                      <a:srgbClr val="C00000"/>
+                    </a:gs>
+                  </a:gsLst>
+                  <a:lin ang="5400000" scaled="0"/>
+                </a:gradFill>
                 <a:latin typeface="HY견고딕" pitchFamily="18" charset="-127"/>
                 <a:ea typeface="HY견고딕" pitchFamily="18" charset="-127"/>
               </a:rPr>
-              <a:t>한국사회에 </a:t>
-            </a:r>
-            <a:r>
-              <a:rPr lang="ko-KR" altLang="en-US" sz="2800" dirty="0" smtClean="0">
-                <a:ln>
-                  <a:solidFill>
-                    <a:schemeClr val="bg1">
-                      <a:alpha val="55000"/>
-                    </a:schemeClr>
-                  </a:solidFill>
-                </a:ln>
-                <a:solidFill>
-                  <a:srgbClr val="C00000"/>
-                </a:solidFill>
-                <a:latin typeface="HY견고딕" pitchFamily="18" charset="-127"/>
-                <a:ea typeface="HY견고딕" pitchFamily="18" charset="-127"/>
-              </a:rPr>
-              <a:t>꼭 필요한 제도</a:t>
-            </a:r>
-            <a:r>
-              <a:rPr lang="ko-KR" altLang="en-US" sz="2800" dirty="0" smtClean="0">
-                <a:ln>
-                  <a:solidFill>
-                    <a:schemeClr val="bg1">
-                      <a:alpha val="55000"/>
-                    </a:schemeClr>
-                  </a:solidFill>
-                </a:ln>
-                <a:solidFill>
-                  <a:schemeClr val="tx1">
-                    <a:lumMod val="85000"/>
-                    <a:lumOff val="15000"/>
+              <a:t>THANK YOU</a:t>
+            </a:r>
+            <a:endParaRPr lang="en-US" altLang="ko-KR" sz="3600" dirty="0" smtClean="0">
+              <a:ln>
+                <a:solidFill>
+                  <a:schemeClr val="bg1">
+                    <a:alpha val="55000"/>
                   </a:schemeClr>
                 </a:solidFill>
-                <a:latin typeface="HY견고딕" pitchFamily="18" charset="-127"/>
-                <a:ea typeface="HY견고딕" pitchFamily="18" charset="-127"/>
-              </a:rPr>
-              <a:t>이며 대기업만 살아남기 좋은 환경을 어느 정도 제제하여 </a:t>
-            </a:r>
-            <a:r>
-              <a:rPr lang="ko-KR" altLang="en-US" sz="2800" dirty="0" smtClean="0">
-                <a:ln>
-                  <a:solidFill>
-                    <a:schemeClr val="bg1">
-                      <a:alpha val="55000"/>
-                    </a:schemeClr>
-                  </a:solidFill>
-                </a:ln>
-                <a:solidFill>
-                  <a:srgbClr val="C00000"/>
-                </a:solidFill>
-                <a:latin typeface="HY견고딕" pitchFamily="18" charset="-127"/>
-                <a:ea typeface="HY견고딕" pitchFamily="18" charset="-127"/>
-              </a:rPr>
-              <a:t>중소기업</a:t>
-            </a:r>
-            <a:r>
-              <a:rPr lang="ko-KR" altLang="en-US" sz="2800" dirty="0" smtClean="0">
-                <a:ln>
-                  <a:solidFill>
-                    <a:schemeClr val="bg1">
-                      <a:alpha val="55000"/>
-                    </a:schemeClr>
-                  </a:solidFill>
-                </a:ln>
-                <a:solidFill>
-                  <a:schemeClr val="tx1">
-                    <a:lumMod val="85000"/>
-                    <a:lumOff val="15000"/>
-                  </a:schemeClr>
-                </a:solidFill>
-                <a:latin typeface="HY견고딕" pitchFamily="18" charset="-127"/>
-                <a:ea typeface="HY견고딕" pitchFamily="18" charset="-127"/>
-              </a:rPr>
-              <a:t>이나 </a:t>
-            </a:r>
-            <a:r>
-              <a:rPr lang="ko-KR" altLang="en-US" sz="2800" dirty="0" smtClean="0">
-                <a:ln>
-                  <a:solidFill>
-                    <a:schemeClr val="bg1">
-                      <a:alpha val="55000"/>
-                    </a:schemeClr>
-                  </a:solidFill>
-                </a:ln>
-                <a:solidFill>
-                  <a:srgbClr val="C00000"/>
-                </a:solidFill>
-                <a:latin typeface="HY견고딕" pitchFamily="18" charset="-127"/>
-                <a:ea typeface="HY견고딕" pitchFamily="18" charset="-127"/>
-              </a:rPr>
-              <a:t>영세상인</a:t>
-            </a:r>
-            <a:r>
-              <a:rPr lang="en-US" altLang="ko-KR" sz="2800" dirty="0" smtClean="0">
-                <a:ln>
-                  <a:solidFill>
-                    <a:schemeClr val="bg1">
-                      <a:alpha val="55000"/>
-                    </a:schemeClr>
-                  </a:solidFill>
-                </a:ln>
-                <a:solidFill>
-                  <a:schemeClr val="tx1">
-                    <a:lumMod val="85000"/>
-                    <a:lumOff val="15000"/>
-                  </a:schemeClr>
-                </a:solidFill>
-                <a:latin typeface="HY견고딕" pitchFamily="18" charset="-127"/>
-                <a:ea typeface="HY견고딕" pitchFamily="18" charset="-127"/>
-              </a:rPr>
-              <a:t>, </a:t>
-            </a:r>
-            <a:r>
-              <a:rPr lang="ko-KR" altLang="en-US" sz="2800" dirty="0" err="1" smtClean="0">
-                <a:ln>
-                  <a:solidFill>
-                    <a:schemeClr val="bg1">
-                      <a:alpha val="55000"/>
-                    </a:schemeClr>
-                  </a:solidFill>
-                </a:ln>
-                <a:solidFill>
-                  <a:srgbClr val="C00000"/>
-                </a:solidFill>
-                <a:latin typeface="HY견고딕" pitchFamily="18" charset="-127"/>
-                <a:ea typeface="HY견고딕" pitchFamily="18" charset="-127"/>
-              </a:rPr>
-              <a:t>비정규직</a:t>
-            </a:r>
-            <a:r>
-              <a:rPr lang="ko-KR" altLang="en-US" sz="2800" dirty="0" err="1" smtClean="0">
-                <a:ln>
-                  <a:solidFill>
-                    <a:schemeClr val="bg1">
-                      <a:alpha val="55000"/>
-                    </a:schemeClr>
-                  </a:solidFill>
-                </a:ln>
-                <a:solidFill>
-                  <a:schemeClr val="tx1">
-                    <a:lumMod val="85000"/>
-                    <a:lumOff val="15000"/>
-                  </a:schemeClr>
-                </a:solidFill>
-                <a:latin typeface="HY견고딕" pitchFamily="18" charset="-127"/>
-                <a:ea typeface="HY견고딕" pitchFamily="18" charset="-127"/>
-              </a:rPr>
-              <a:t>에게도</a:t>
-            </a:r>
-            <a:r>
-              <a:rPr lang="ko-KR" altLang="en-US" sz="2800" dirty="0" smtClean="0">
-                <a:ln>
-                  <a:solidFill>
-                    <a:schemeClr val="bg1">
-                      <a:alpha val="55000"/>
-                    </a:schemeClr>
-                  </a:solidFill>
-                </a:ln>
-                <a:solidFill>
-                  <a:schemeClr val="tx1">
-                    <a:lumMod val="85000"/>
-                    <a:lumOff val="15000"/>
-                  </a:schemeClr>
-                </a:solidFill>
-                <a:latin typeface="HY견고딕" pitchFamily="18" charset="-127"/>
-                <a:ea typeface="HY견고딕" pitchFamily="18" charset="-127"/>
-              </a:rPr>
-              <a:t> </a:t>
-            </a:r>
-            <a:r>
-              <a:rPr lang="ko-KR" altLang="en-US" sz="2800" dirty="0" smtClean="0">
-                <a:ln>
-                  <a:solidFill>
-                    <a:schemeClr val="bg1">
-                      <a:alpha val="55000"/>
-                    </a:schemeClr>
-                  </a:solidFill>
-                </a:ln>
-                <a:solidFill>
-                  <a:srgbClr val="C00000"/>
-                </a:solidFill>
-                <a:latin typeface="HY견고딕" pitchFamily="18" charset="-127"/>
-                <a:ea typeface="HY견고딕" pitchFamily="18" charset="-127"/>
-              </a:rPr>
-              <a:t>기회</a:t>
-            </a:r>
-            <a:r>
-              <a:rPr lang="ko-KR" altLang="en-US" sz="2800" dirty="0" smtClean="0">
-                <a:ln>
-                  <a:solidFill>
-                    <a:schemeClr val="bg1">
-                      <a:alpha val="55000"/>
-                    </a:schemeClr>
-                  </a:solidFill>
-                </a:ln>
-                <a:solidFill>
-                  <a:schemeClr val="tx1">
-                    <a:lumMod val="85000"/>
-                    <a:lumOff val="15000"/>
-                  </a:schemeClr>
-                </a:solidFill>
-                <a:latin typeface="HY견고딕" pitchFamily="18" charset="-127"/>
-                <a:ea typeface="HY견고딕" pitchFamily="18" charset="-127"/>
-              </a:rPr>
-              <a:t>를 주기 위해 정부가 어느 정도 손을 써야 한다고 생각합니다</a:t>
-            </a:r>
-            <a:r>
-              <a:rPr lang="en-US" altLang="ko-KR" sz="2800" dirty="0" smtClean="0">
-                <a:ln>
-                  <a:solidFill>
-                    <a:schemeClr val="bg1">
-                      <a:alpha val="55000"/>
-                    </a:schemeClr>
-                  </a:solidFill>
-                </a:ln>
-                <a:solidFill>
-                  <a:schemeClr val="tx1">
-                    <a:lumMod val="85000"/>
-                    <a:lumOff val="15000"/>
-                  </a:schemeClr>
-                </a:solidFill>
-                <a:latin typeface="HY견고딕" pitchFamily="18" charset="-127"/>
-                <a:ea typeface="HY견고딕" pitchFamily="18" charset="-127"/>
-              </a:rPr>
-              <a:t>. </a:t>
-            </a:r>
-            <a:r>
-              <a:rPr lang="ko-KR" altLang="en-US" sz="2800" dirty="0" smtClean="0">
-                <a:ln>
-                  <a:solidFill>
-                    <a:schemeClr val="bg1">
-                      <a:alpha val="55000"/>
-                    </a:schemeClr>
-                  </a:solidFill>
-                </a:ln>
-                <a:solidFill>
-                  <a:schemeClr val="tx1">
-                    <a:lumMod val="85000"/>
-                    <a:lumOff val="15000"/>
-                  </a:schemeClr>
-                </a:solidFill>
-                <a:latin typeface="HY견고딕" pitchFamily="18" charset="-127"/>
-                <a:ea typeface="HY견고딕" pitchFamily="18" charset="-127"/>
-              </a:rPr>
-              <a:t>하지만 아직까지 정부가 어느 </a:t>
-            </a:r>
-            <a:r>
-              <a:rPr lang="ko-KR" altLang="en-US" sz="2800" smtClean="0">
-                <a:ln>
-                  <a:solidFill>
-                    <a:schemeClr val="bg1">
-                      <a:alpha val="55000"/>
-                    </a:schemeClr>
-                  </a:solidFill>
-                </a:ln>
-                <a:solidFill>
-                  <a:schemeClr val="tx1">
-                    <a:lumMod val="85000"/>
-                    <a:lumOff val="15000"/>
-                  </a:schemeClr>
-                </a:solidFill>
-                <a:latin typeface="HY견고딕" pitchFamily="18" charset="-127"/>
-                <a:ea typeface="HY견고딕" pitchFamily="18" charset="-127"/>
-              </a:rPr>
-              <a:t>정도 참여 해야하나</a:t>
-            </a:r>
-            <a:r>
-              <a:rPr lang="ko-KR" altLang="en-US" sz="2800" dirty="0" smtClean="0">
-                <a:ln>
-                  <a:solidFill>
-                    <a:schemeClr val="bg1">
-                      <a:alpha val="55000"/>
-                    </a:schemeClr>
-                  </a:solidFill>
-                </a:ln>
-                <a:solidFill>
-                  <a:schemeClr val="tx1">
-                    <a:lumMod val="85000"/>
-                    <a:lumOff val="15000"/>
-                  </a:schemeClr>
-                </a:solidFill>
-                <a:latin typeface="HY견고딕" pitchFamily="18" charset="-127"/>
-                <a:ea typeface="HY견고딕" pitchFamily="18" charset="-127"/>
-              </a:rPr>
-              <a:t> 같이 결론이 나지 않은 문제가 있으므로 조금 더 지켜봐야 할 문제인 것 같습니다</a:t>
-            </a:r>
-            <a:r>
-              <a:rPr lang="en-US" altLang="ko-KR" sz="2800" dirty="0" smtClean="0">
-                <a:ln>
-                  <a:solidFill>
-                    <a:schemeClr val="bg1">
-                      <a:alpha val="55000"/>
-                    </a:schemeClr>
-                  </a:solidFill>
-                </a:ln>
-                <a:solidFill>
-                  <a:schemeClr val="tx1">
-                    <a:lumMod val="85000"/>
-                    <a:lumOff val="15000"/>
-                  </a:schemeClr>
-                </a:solidFill>
-                <a:latin typeface="HY견고딕" pitchFamily="18" charset="-127"/>
-                <a:ea typeface="HY견고딕" pitchFamily="18" charset="-127"/>
-              </a:rPr>
-              <a:t>.</a:t>
-            </a:r>
+              </a:ln>
+              <a:gradFill>
+                <a:gsLst>
+                  <a:gs pos="0">
+                    <a:schemeClr val="tx1"/>
+                  </a:gs>
+                  <a:gs pos="100000">
+                    <a:srgbClr val="C00000"/>
+                  </a:gs>
+                </a:gsLst>
+                <a:lin ang="5400000" scaled="0"/>
+              </a:gradFill>
+              <a:latin typeface="HY견고딕" pitchFamily="18" charset="-127"/>
+              <a:ea typeface="HY견고딕" pitchFamily="18" charset="-127"/>
+            </a:endParaRPr>
+          </a:p>
+        </p:txBody>
+      </p:sp>
+      <p:sp>
+        <p:nvSpPr>
+          <p:cNvPr id="11" name="타원 10"/>
+          <p:cNvSpPr/>
+          <p:nvPr/>
+        </p:nvSpPr>
+        <p:spPr>
+          <a:xfrm>
+            <a:off x="2714612" y="3214686"/>
+            <a:ext cx="144000" cy="142876"/>
+          </a:xfrm>
+          <a:prstGeom prst="ellipse">
+            <a:avLst/>
+          </a:prstGeom>
+          <a:solidFill>
+            <a:srgbClr val="AA0638"/>
+          </a:solidFill>
+          <a:ln>
+            <a:noFill/>
+          </a:ln>
+          <a:effectLst>
+            <a:outerShdw blurRad="63500" sx="102000" sy="102000" algn="ctr" rotWithShape="0">
+              <a:prstClr val="black">
+                <a:alpha val="40000"/>
+              </a:prstClr>
+            </a:outerShdw>
+          </a:effectLst>
+        </p:spPr>
+        <p:style>
+          <a:lnRef idx="2">
+            <a:schemeClr val="accent1">
+              <a:shade val="50000"/>
+            </a:schemeClr>
+          </a:lnRef>
+          <a:fillRef idx="1">
+            <a:schemeClr val="accent1"/>
+          </a:fillRef>
+          <a:effectRef idx="0">
+            <a:schemeClr val="accent1"/>
+          </a:effectRef>
+          <a:fontRef idx="minor">
+            <a:schemeClr val="lt1"/>
+          </a:fontRef>
+        </p:style>
+        <p:txBody>
+          <a:bodyPr rtlCol="0" anchor="ctr"/>
+          <a:lstStyle/>
+          <a:p>
+            <a:pPr algn="ctr"/>
+            <a:endParaRPr lang="ko-KR" altLang="en-US" sz="3200"/>
+          </a:p>
+        </p:txBody>
+      </p:sp>
+      <p:sp>
+        <p:nvSpPr>
+          <p:cNvPr id="14" name="타원 13"/>
+          <p:cNvSpPr/>
+          <p:nvPr/>
+        </p:nvSpPr>
+        <p:spPr>
+          <a:xfrm>
+            <a:off x="6215074" y="3214686"/>
+            <a:ext cx="144000" cy="142876"/>
+          </a:xfrm>
+          <a:prstGeom prst="ellipse">
+            <a:avLst/>
+          </a:prstGeom>
+          <a:solidFill>
+            <a:srgbClr val="AA0638"/>
+          </a:solidFill>
+          <a:ln>
+            <a:noFill/>
+          </a:ln>
+          <a:effectLst>
+            <a:outerShdw blurRad="63500" sx="102000" sy="102000" algn="ctr" rotWithShape="0">
+              <a:prstClr val="black">
+                <a:alpha val="40000"/>
+              </a:prstClr>
+            </a:outerShdw>
+          </a:effectLst>
+        </p:spPr>
+        <p:style>
+          <a:lnRef idx="2">
+            <a:schemeClr val="accent1">
+              <a:shade val="50000"/>
+            </a:schemeClr>
+          </a:lnRef>
+          <a:fillRef idx="1">
+            <a:schemeClr val="accent1"/>
+          </a:fillRef>
+          <a:effectRef idx="0">
+            <a:schemeClr val="accent1"/>
+          </a:effectRef>
+          <a:fontRef idx="minor">
+            <a:schemeClr val="lt1"/>
+          </a:fontRef>
+        </p:style>
+        <p:txBody>
+          <a:bodyPr rtlCol="0" anchor="ctr"/>
+          <a:lstStyle/>
+          <a:p>
+            <a:pPr algn="ctr"/>
+            <a:endParaRPr lang="ko-KR" altLang="en-US" sz="3200"/>
           </a:p>
         </p:txBody>
       </p:sp>
@@ -12704,18 +12426,9 @@
   <p:clrMapOvr>
     <a:masterClrMapping/>
   </p:clrMapOvr>
-  <mc:AlternateContent xmlns:mc="http://schemas.openxmlformats.org/markup-compatibility/2006">
-    <mc:Choice xmlns:p14="http://schemas.microsoft.com/office/powerpoint/2010/main" Requires="p14">
-      <p:transition xmlns:mc="http://schemas.openxmlformats.org/markup-compatibility/2006" xmlns:p14="http://schemas.microsoft.com/office/powerpoint/2010/main" mc:Ignorable="p14" p14:dur="500">
-        <p:fade/>
-      </p:transition>
-    </mc:Choice>
-    <mc:Fallback>
-      <p:transition xmlns:mc="http://schemas.openxmlformats.org/markup-compatibility/2006" xmlns:hp="http://schemas.haansoft.com/office/presentation/8.0" mc:Ignorable="hp" hp:hslDur="500">
-        <p:fade/>
-      </p:transition>
-    </mc:Fallback>
-  </mc:AlternateContent>
+  <p:transition>
+    <p:fade/>
+  </p:transition>
   <p:timing>
     <p:tnLst>
       <p:par>
